--- a/diagrams/designPatterns/modelViewController/whatItIs/sequenceDiagram.pptx
+++ b/diagrams/designPatterns/modelViewController/whatItIs/sequenceDiagram.pptx
@@ -107,6 +107,22 @@
       </a:defRPr>
     </a:lvl9pPr>
   </p:defaultTextStyle>
+  <p:extLst>
+    <p:ext uri="{EFAFB233-063F-42B5-8137-9DF3F51BA10A}">
+      <p15:sldGuideLst xmlns:p15="http://schemas.microsoft.com/office/powerpoint/2012/main">
+        <p15:guide id="1" orient="horz" pos="2160">
+          <p15:clr>
+            <a:srgbClr val="A4A3A4"/>
+          </p15:clr>
+        </p15:guide>
+        <p15:guide id="2" pos="2880">
+          <p15:clr>
+            <a:srgbClr val="A4A3A4"/>
+          </p15:clr>
+        </p15:guide>
+      </p15:sldGuideLst>
+    </p:ext>
+  </p:extLst>
 </p:presentation>
 </file>
 
@@ -192,7 +208,7 @@
           <a:p>
             <a:fld id="{66906C45-2DB0-4797-8F62-CAF8E935D413}" type="datetimeFigureOut">
               <a:rPr lang="en-SG" smtClean="0"/>
-              <a:t>23/6/2017</a:t>
+              <a:t>31/10/2017</a:t>
             </a:fld>
             <a:endParaRPr lang="en-SG"/>
           </a:p>
@@ -725,7 +741,7 @@
           <a:p>
             <a:fld id="{8486F480-15A6-4026-BC99-052F8E994139}" type="datetimeFigureOut">
               <a:rPr lang="en-SG" smtClean="0"/>
-              <a:t>23/6/2017</a:t>
+              <a:t>31/10/2017</a:t>
             </a:fld>
             <a:endParaRPr lang="en-SG"/>
           </a:p>
@@ -895,7 +911,7 @@
           <a:p>
             <a:fld id="{8486F480-15A6-4026-BC99-052F8E994139}" type="datetimeFigureOut">
               <a:rPr lang="en-SG" smtClean="0"/>
-              <a:t>23/6/2017</a:t>
+              <a:t>31/10/2017</a:t>
             </a:fld>
             <a:endParaRPr lang="en-SG"/>
           </a:p>
@@ -1075,7 +1091,7 @@
           <a:p>
             <a:fld id="{8486F480-15A6-4026-BC99-052F8E994139}" type="datetimeFigureOut">
               <a:rPr lang="en-SG" smtClean="0"/>
-              <a:t>23/6/2017</a:t>
+              <a:t>31/10/2017</a:t>
             </a:fld>
             <a:endParaRPr lang="en-SG"/>
           </a:p>
@@ -1245,7 +1261,7 @@
           <a:p>
             <a:fld id="{8486F480-15A6-4026-BC99-052F8E994139}" type="datetimeFigureOut">
               <a:rPr lang="en-SG" smtClean="0"/>
-              <a:t>23/6/2017</a:t>
+              <a:t>31/10/2017</a:t>
             </a:fld>
             <a:endParaRPr lang="en-SG"/>
           </a:p>
@@ -1491,7 +1507,7 @@
           <a:p>
             <a:fld id="{8486F480-15A6-4026-BC99-052F8E994139}" type="datetimeFigureOut">
               <a:rPr lang="en-SG" smtClean="0"/>
-              <a:t>23/6/2017</a:t>
+              <a:t>31/10/2017</a:t>
             </a:fld>
             <a:endParaRPr lang="en-SG"/>
           </a:p>
@@ -1779,7 +1795,7 @@
           <a:p>
             <a:fld id="{8486F480-15A6-4026-BC99-052F8E994139}" type="datetimeFigureOut">
               <a:rPr lang="en-SG" smtClean="0"/>
-              <a:t>23/6/2017</a:t>
+              <a:t>31/10/2017</a:t>
             </a:fld>
             <a:endParaRPr lang="en-SG"/>
           </a:p>
@@ -2201,7 +2217,7 @@
           <a:p>
             <a:fld id="{8486F480-15A6-4026-BC99-052F8E994139}" type="datetimeFigureOut">
               <a:rPr lang="en-SG" smtClean="0"/>
-              <a:t>23/6/2017</a:t>
+              <a:t>31/10/2017</a:t>
             </a:fld>
             <a:endParaRPr lang="en-SG"/>
           </a:p>
@@ -2319,7 +2335,7 @@
           <a:p>
             <a:fld id="{8486F480-15A6-4026-BC99-052F8E994139}" type="datetimeFigureOut">
               <a:rPr lang="en-SG" smtClean="0"/>
-              <a:t>23/6/2017</a:t>
+              <a:t>31/10/2017</a:t>
             </a:fld>
             <a:endParaRPr lang="en-SG"/>
           </a:p>
@@ -2414,7 +2430,7 @@
           <a:p>
             <a:fld id="{8486F480-15A6-4026-BC99-052F8E994139}" type="datetimeFigureOut">
               <a:rPr lang="en-SG" smtClean="0"/>
-              <a:t>23/6/2017</a:t>
+              <a:t>31/10/2017</a:t>
             </a:fld>
             <a:endParaRPr lang="en-SG"/>
           </a:p>
@@ -2691,7 +2707,7 @@
           <a:p>
             <a:fld id="{8486F480-15A6-4026-BC99-052F8E994139}" type="datetimeFigureOut">
               <a:rPr lang="en-SG" smtClean="0"/>
-              <a:t>23/6/2017</a:t>
+              <a:t>31/10/2017</a:t>
             </a:fld>
             <a:endParaRPr lang="en-SG"/>
           </a:p>
@@ -2944,7 +2960,7 @@
           <a:p>
             <a:fld id="{8486F480-15A6-4026-BC99-052F8E994139}" type="datetimeFigureOut">
               <a:rPr lang="en-SG" smtClean="0"/>
-              <a:t>23/6/2017</a:t>
+              <a:t>31/10/2017</a:t>
             </a:fld>
             <a:endParaRPr lang="en-SG"/>
           </a:p>
@@ -3157,7 +3173,7 @@
           <a:p>
             <a:fld id="{8486F480-15A6-4026-BC99-052F8E994139}" type="datetimeFigureOut">
               <a:rPr lang="en-SG" smtClean="0"/>
-              <a:t>23/6/2017</a:t>
+              <a:t>31/10/2017</a:t>
             </a:fld>
             <a:endParaRPr lang="en-SG"/>
           </a:p>
@@ -3534,6 +3550,62 @@
       </p:grpSpPr>
       <p:sp>
         <p:nvSpPr>
+          <p:cNvPr id="46" name="AutoShape 3"/>
+          <p:cNvSpPr>
+            <a:spLocks noChangeArrowheads="1"/>
+          </p:cNvSpPr>
+          <p:nvPr/>
+        </p:nvSpPr>
+        <p:spPr bwMode="auto">
+          <a:xfrm>
+            <a:off x="1943617" y="1974660"/>
+            <a:ext cx="2088927" cy="4694699"/>
+          </a:xfrm>
+          <a:prstGeom prst="roundRect">
+            <a:avLst>
+              <a:gd name="adj" fmla="val 16667"/>
+            </a:avLst>
+          </a:prstGeom>
+          <a:gradFill flip="none" rotWithShape="1">
+            <a:lin ang="5400000" scaled="1"/>
+            <a:tileRect/>
+          </a:gradFill>
+          <a:ln>
+            <a:noFill/>
+            <a:headEnd/>
+            <a:tailEnd/>
+          </a:ln>
+        </p:spPr>
+        <p:style>
+          <a:lnRef idx="1">
+            <a:schemeClr val="accent3"/>
+          </a:lnRef>
+          <a:fillRef idx="2">
+            <a:schemeClr val="accent3"/>
+          </a:fillRef>
+          <a:effectRef idx="1">
+            <a:schemeClr val="accent3"/>
+          </a:effectRef>
+          <a:fontRef idx="minor">
+            <a:schemeClr val="dk1"/>
+          </a:fontRef>
+        </p:style>
+        <p:txBody>
+          <a:bodyPr wrap="square" anchor="ctr">
+            <a:noAutofit/>
+          </a:bodyPr>
+          <a:lstStyle/>
+          <a:p>
+            <a:endParaRPr lang="en-US" sz="2000">
+              <a:solidFill>
+                <a:schemeClr val="dk1"/>
+              </a:solidFill>
+            </a:endParaRPr>
+          </a:p>
+        </p:txBody>
+      </p:sp>
+      <p:sp>
+        <p:nvSpPr>
           <p:cNvPr id="214" name="AutoShape 17"/>
           <p:cNvSpPr>
             <a:spLocks noChangeArrowheads="1"/>
@@ -3594,12 +3666,12 @@
         </p:nvSpPr>
         <p:spPr bwMode="auto">
           <a:xfrm>
-            <a:off x="4235864" y="1974659"/>
-            <a:ext cx="1848304" cy="4694700"/>
+            <a:off x="4134520" y="1974659"/>
+            <a:ext cx="1949647" cy="4694700"/>
           </a:xfrm>
           <a:prstGeom prst="roundRect">
             <a:avLst>
-              <a:gd name="adj" fmla="val 16667"/>
+              <a:gd name="adj" fmla="val 7590"/>
             </a:avLst>
           </a:prstGeom>
           <a:gradFill flip="none" rotWithShape="1">
@@ -3642,7 +3714,7 @@
       </p:sp>
       <p:sp>
         <p:nvSpPr>
-          <p:cNvPr id="216" name="AutoShape 3"/>
+          <p:cNvPr id="217" name="Rectangle 6"/>
           <p:cNvSpPr>
             <a:spLocks noChangeArrowheads="1"/>
           </p:cNvSpPr>
@@ -3650,20 +3722,136 @@
         </p:nvSpPr>
         <p:spPr bwMode="auto">
           <a:xfrm>
-            <a:off x="1187624" y="1974660"/>
-            <a:ext cx="2893117" cy="4694699"/>
-          </a:xfrm>
-          <a:prstGeom prst="roundRect">
-            <a:avLst>
-              <a:gd name="adj" fmla="val 16667"/>
-            </a:avLst>
+            <a:off x="4371631" y="2586360"/>
+            <a:ext cx="1524713" cy="400110"/>
+          </a:xfrm>
+          <a:prstGeom prst="rect">
+            <a:avLst/>
           </a:prstGeom>
-          <a:gradFill flip="none" rotWithShape="1">
-            <a:lin ang="5400000" scaled="1"/>
-            <a:tileRect/>
-          </a:gradFill>
           <a:ln>
-            <a:noFill/>
+            <a:headEnd/>
+            <a:tailEnd/>
+          </a:ln>
+        </p:spPr>
+        <p:style>
+          <a:lnRef idx="1">
+            <a:schemeClr val="accent4"/>
+          </a:lnRef>
+          <a:fillRef idx="2">
+            <a:schemeClr val="accent4"/>
+          </a:fillRef>
+          <a:effectRef idx="1">
+            <a:schemeClr val="accent4"/>
+          </a:effectRef>
+          <a:fontRef idx="minor">
+            <a:schemeClr val="dk1"/>
+          </a:fontRef>
+        </p:style>
+        <p:txBody>
+          <a:bodyPr wrap="none" anchor="ctr">
+            <a:spAutoFit/>
+          </a:bodyPr>
+          <a:lstStyle/>
+          <a:p>
+            <a:pPr algn="ctr"/>
+            <a:r>
+              <a:rPr lang="en-US" sz="2000" b="0" dirty="0">
+                <a:solidFill>
+                  <a:schemeClr val="tx1"/>
+                </a:solidFill>
+                <a:latin typeface="Calibri" pitchFamily="34" charset="0"/>
+              </a:rPr>
+              <a:t>:</a:t>
+            </a:r>
+            <a:r>
+              <a:rPr lang="en-US" sz="2000" b="0" smtClean="0">
+                <a:solidFill>
+                  <a:schemeClr val="tx1"/>
+                </a:solidFill>
+                <a:latin typeface="Calibri" pitchFamily="34" charset="0"/>
+              </a:rPr>
+              <a:t>UiController</a:t>
+            </a:r>
+            <a:endParaRPr lang="en-US" sz="2000" b="0" dirty="0">
+              <a:solidFill>
+                <a:schemeClr val="tx1"/>
+              </a:solidFill>
+              <a:latin typeface="Calibri" pitchFamily="34" charset="0"/>
+            </a:endParaRPr>
+          </a:p>
+        </p:txBody>
+      </p:sp>
+      <p:sp>
+        <p:nvSpPr>
+          <p:cNvPr id="218" name="Rectangle 7"/>
+          <p:cNvSpPr>
+            <a:spLocks noChangeArrowheads="1"/>
+          </p:cNvSpPr>
+          <p:nvPr/>
+        </p:nvSpPr>
+        <p:spPr bwMode="auto">
+          <a:xfrm>
+            <a:off x="6341365" y="2581628"/>
+            <a:ext cx="1431925" cy="409575"/>
+          </a:xfrm>
+          <a:prstGeom prst="rect">
+            <a:avLst/>
+          </a:prstGeom>
+          <a:ln>
+            <a:headEnd/>
+            <a:tailEnd/>
+          </a:ln>
+        </p:spPr>
+        <p:style>
+          <a:lnRef idx="1">
+            <a:schemeClr val="accent5"/>
+          </a:lnRef>
+          <a:fillRef idx="2">
+            <a:schemeClr val="accent5"/>
+          </a:fillRef>
+          <a:effectRef idx="1">
+            <a:schemeClr val="accent5"/>
+          </a:effectRef>
+          <a:fontRef idx="minor">
+            <a:schemeClr val="dk1"/>
+          </a:fontRef>
+        </p:style>
+        <p:txBody>
+          <a:bodyPr wrap="none" anchor="ctr">
+            <a:spAutoFit/>
+          </a:bodyPr>
+          <a:lstStyle/>
+          <a:p>
+            <a:pPr algn="ctr"/>
+            <a:r>
+              <a:rPr lang="en-US" sz="2000" b="0">
+                <a:solidFill>
+                  <a:schemeClr val="tx1"/>
+                </a:solidFill>
+                <a:latin typeface="Calibri" pitchFamily="34" charset="0"/>
+              </a:rPr>
+              <a:t>:StudentList</a:t>
+            </a:r>
+          </a:p>
+        </p:txBody>
+      </p:sp>
+      <p:sp>
+        <p:nvSpPr>
+          <p:cNvPr id="219" name="Rectangle 8"/>
+          <p:cNvSpPr>
+            <a:spLocks noChangeArrowheads="1"/>
+          </p:cNvSpPr>
+          <p:nvPr/>
+        </p:nvSpPr>
+        <p:spPr bwMode="auto">
+          <a:xfrm>
+            <a:off x="2163563" y="2597709"/>
+            <a:ext cx="1819275" cy="409575"/>
+          </a:xfrm>
+          <a:prstGeom prst="rect">
+            <a:avLst/>
+          </a:prstGeom>
+          <a:ln>
             <a:headEnd/>
             <a:tailEnd/>
           </a:ln>
@@ -3683,55 +3871,6 @@
           </a:fontRef>
         </p:style>
         <p:txBody>
-          <a:bodyPr wrap="square" anchor="ctr">
-            <a:noAutofit/>
-          </a:bodyPr>
-          <a:lstStyle/>
-          <a:p>
-            <a:endParaRPr lang="en-US" sz="2000">
-              <a:solidFill>
-                <a:schemeClr val="dk1"/>
-              </a:solidFill>
-            </a:endParaRPr>
-          </a:p>
-        </p:txBody>
-      </p:sp>
-      <p:sp>
-        <p:nvSpPr>
-          <p:cNvPr id="217" name="Rectangle 6"/>
-          <p:cNvSpPr>
-            <a:spLocks noChangeArrowheads="1"/>
-          </p:cNvSpPr>
-          <p:nvPr/>
-        </p:nvSpPr>
-        <p:spPr bwMode="auto">
-          <a:xfrm>
-            <a:off x="4371631" y="2586360"/>
-            <a:ext cx="1524713" cy="400110"/>
-          </a:xfrm>
-          <a:prstGeom prst="rect">
-            <a:avLst/>
-          </a:prstGeom>
-          <a:ln>
-            <a:headEnd/>
-            <a:tailEnd/>
-          </a:ln>
-        </p:spPr>
-        <p:style>
-          <a:lnRef idx="1">
-            <a:schemeClr val="accent4"/>
-          </a:lnRef>
-          <a:fillRef idx="2">
-            <a:schemeClr val="accent4"/>
-          </a:fillRef>
-          <a:effectRef idx="1">
-            <a:schemeClr val="accent4"/>
-          </a:effectRef>
-          <a:fontRef idx="minor">
-            <a:schemeClr val="dk1"/>
-          </a:fontRef>
-        </p:style>
-        <p:txBody>
           <a:bodyPr wrap="none" anchor="ctr">
             <a:spAutoFit/>
           </a:bodyPr>
@@ -3739,7 +3878,7 @@
           <a:p>
             <a:pPr algn="ctr"/>
             <a:r>
-              <a:rPr lang="en-US" sz="2000" b="0" dirty="0">
+              <a:rPr lang="en-US" sz="2000" dirty="0">
                 <a:solidFill>
                   <a:schemeClr val="tx1"/>
                 </a:solidFill>
@@ -3748,15 +3887,15 @@
               <a:t>:</a:t>
             </a:r>
             <a:r>
-              <a:rPr lang="en-US" sz="2000" b="0" smtClean="0">
+              <a:rPr lang="en-US" sz="2000" dirty="0" err="1">
                 <a:solidFill>
                   <a:schemeClr val="tx1"/>
                 </a:solidFill>
                 <a:latin typeface="Calibri" pitchFamily="34" charset="0"/>
               </a:rPr>
-              <a:t>UiController</a:t>
-            </a:r>
-            <a:endParaRPr lang="en-US" sz="2000" b="0" dirty="0">
+              <a:t>ViewStudentUi</a:t>
+            </a:r>
+            <a:endParaRPr lang="en-US" sz="2000" dirty="0">
               <a:solidFill>
                 <a:schemeClr val="tx1"/>
               </a:solidFill>
@@ -3767,7 +3906,7 @@
       </p:sp>
       <p:sp>
         <p:nvSpPr>
-          <p:cNvPr id="218" name="Rectangle 7"/>
+          <p:cNvPr id="220" name="Rectangle 22"/>
           <p:cNvSpPr>
             <a:spLocks noChangeArrowheads="1"/>
           </p:cNvSpPr>
@@ -3775,8 +3914,8 @@
         </p:nvSpPr>
         <p:spPr bwMode="auto">
           <a:xfrm>
-            <a:off x="6341365" y="2581628"/>
-            <a:ext cx="1431925" cy="409575"/>
+            <a:off x="7884368" y="2581628"/>
+            <a:ext cx="1081088" cy="409575"/>
           </a:xfrm>
           <a:prstGeom prst="rect">
             <a:avLst/>
@@ -3808,129 +3947,6 @@
           <a:p>
             <a:pPr algn="ctr"/>
             <a:r>
-              <a:rPr lang="en-US" sz="2000" b="0">
-                <a:solidFill>
-                  <a:schemeClr val="tx1"/>
-                </a:solidFill>
-                <a:latin typeface="Calibri" pitchFamily="34" charset="0"/>
-              </a:rPr>
-              <a:t>:StudentList</a:t>
-            </a:r>
-          </a:p>
-        </p:txBody>
-      </p:sp>
-      <p:sp>
-        <p:nvSpPr>
-          <p:cNvPr id="219" name="Rectangle 8"/>
-          <p:cNvSpPr>
-            <a:spLocks noChangeArrowheads="1"/>
-          </p:cNvSpPr>
-          <p:nvPr/>
-        </p:nvSpPr>
-        <p:spPr bwMode="auto">
-          <a:xfrm>
-            <a:off x="2163563" y="2597709"/>
-            <a:ext cx="1819275" cy="409575"/>
-          </a:xfrm>
-          <a:prstGeom prst="rect">
-            <a:avLst/>
-          </a:prstGeom>
-          <a:ln>
-            <a:headEnd/>
-            <a:tailEnd/>
-          </a:ln>
-        </p:spPr>
-        <p:style>
-          <a:lnRef idx="1">
-            <a:schemeClr val="accent3"/>
-          </a:lnRef>
-          <a:fillRef idx="2">
-            <a:schemeClr val="accent3"/>
-          </a:fillRef>
-          <a:effectRef idx="1">
-            <a:schemeClr val="accent3"/>
-          </a:effectRef>
-          <a:fontRef idx="minor">
-            <a:schemeClr val="dk1"/>
-          </a:fontRef>
-        </p:style>
-        <p:txBody>
-          <a:bodyPr wrap="none" anchor="ctr">
-            <a:spAutoFit/>
-          </a:bodyPr>
-          <a:lstStyle/>
-          <a:p>
-            <a:pPr algn="ctr"/>
-            <a:r>
-              <a:rPr lang="en-US" sz="2000" b="0" dirty="0">
-                <a:solidFill>
-                  <a:schemeClr val="tx1"/>
-                </a:solidFill>
-                <a:latin typeface="Calibri" pitchFamily="34" charset="0"/>
-              </a:rPr>
-              <a:t>:</a:t>
-            </a:r>
-            <a:r>
-              <a:rPr lang="en-US" sz="2000" b="0" dirty="0" err="1" smtClean="0">
-                <a:solidFill>
-                  <a:schemeClr val="tx1"/>
-                </a:solidFill>
-                <a:latin typeface="Calibri" pitchFamily="34" charset="0"/>
-              </a:rPr>
-              <a:t>ViewStudentUi</a:t>
-            </a:r>
-            <a:endParaRPr lang="en-US" sz="2000" b="0" dirty="0">
-              <a:solidFill>
-                <a:schemeClr val="tx1"/>
-              </a:solidFill>
-              <a:latin typeface="Calibri" pitchFamily="34" charset="0"/>
-            </a:endParaRPr>
-          </a:p>
-        </p:txBody>
-      </p:sp>
-      <p:sp>
-        <p:nvSpPr>
-          <p:cNvPr id="220" name="Rectangle 22"/>
-          <p:cNvSpPr>
-            <a:spLocks noChangeArrowheads="1"/>
-          </p:cNvSpPr>
-          <p:nvPr/>
-        </p:nvSpPr>
-        <p:spPr bwMode="auto">
-          <a:xfrm>
-            <a:off x="7884368" y="2581628"/>
-            <a:ext cx="1081088" cy="409575"/>
-          </a:xfrm>
-          <a:prstGeom prst="rect">
-            <a:avLst/>
-          </a:prstGeom>
-          <a:ln>
-            <a:headEnd/>
-            <a:tailEnd/>
-          </a:ln>
-        </p:spPr>
-        <p:style>
-          <a:lnRef idx="1">
-            <a:schemeClr val="accent5"/>
-          </a:lnRef>
-          <a:fillRef idx="2">
-            <a:schemeClr val="accent5"/>
-          </a:fillRef>
-          <a:effectRef idx="1">
-            <a:schemeClr val="accent5"/>
-          </a:effectRef>
-          <a:fontRef idx="minor">
-            <a:schemeClr val="dk1"/>
-          </a:fontRef>
-        </p:style>
-        <p:txBody>
-          <a:bodyPr wrap="none" anchor="ctr">
-            <a:spAutoFit/>
-          </a:bodyPr>
-          <a:lstStyle/>
-          <a:p>
-            <a:pPr algn="ctr"/>
-            <a:r>
               <a:rPr lang="en-US" sz="2000" b="0" dirty="0">
                 <a:solidFill>
                   <a:schemeClr val="tx1"/>
@@ -3952,7 +3968,7 @@
         </p:nvSpPr>
         <p:spPr bwMode="auto">
           <a:xfrm>
-            <a:off x="3059832" y="4269052"/>
+            <a:off x="2979285" y="4322009"/>
             <a:ext cx="1258742" cy="400110"/>
           </a:xfrm>
           <a:prstGeom prst="rect">
@@ -4525,11 +4541,17 @@
         <p:spPr>
           <a:xfrm>
             <a:off x="5046106" y="3958715"/>
-            <a:ext cx="122465" cy="2341313"/>
+            <a:ext cx="136444" cy="2422613"/>
           </a:xfrm>
           <a:prstGeom prst="rect">
             <a:avLst/>
           </a:prstGeom>
+          <a:solidFill>
+            <a:schemeClr val="accent4">
+              <a:lumMod val="40000"/>
+              <a:lumOff val="60000"/>
+            </a:schemeClr>
+          </a:solidFill>
         </p:spPr>
         <p:style>
           <a:lnRef idx="2">
@@ -5016,8 +5038,8 @@
         </p:nvCxnSpPr>
         <p:spPr>
           <a:xfrm>
-            <a:off x="1539598" y="1901010"/>
-            <a:ext cx="0" cy="4736084"/>
+            <a:off x="1526959" y="1882066"/>
+            <a:ext cx="12639" cy="4755028"/>
           </a:xfrm>
           <a:prstGeom prst="line">
             <a:avLst/>
@@ -5212,57 +5234,6 @@
       </p:sp>
       <p:sp>
         <p:nvSpPr>
-          <p:cNvPr id="249" name="Rectangle 248"/>
-          <p:cNvSpPr/>
-          <p:nvPr/>
-        </p:nvSpPr>
-        <p:spPr>
-          <a:xfrm>
-            <a:off x="4116835" y="4653136"/>
-            <a:ext cx="2111349" cy="1120791"/>
-          </a:xfrm>
-          <a:prstGeom prst="rect">
-            <a:avLst/>
-          </a:prstGeom>
-          <a:solidFill>
-            <a:schemeClr val="bg1">
-              <a:alpha val="78000"/>
-            </a:schemeClr>
-          </a:solidFill>
-          <a:ln>
-            <a:noFill/>
-          </a:ln>
-          <a:effectLst>
-            <a:softEdge rad="63500"/>
-          </a:effectLst>
-        </p:spPr>
-        <p:style>
-          <a:lnRef idx="2">
-            <a:schemeClr val="accent1">
-              <a:shade val="50000"/>
-            </a:schemeClr>
-          </a:lnRef>
-          <a:fillRef idx="1">
-            <a:schemeClr val="accent1"/>
-          </a:fillRef>
-          <a:effectRef idx="0">
-            <a:schemeClr val="accent1"/>
-          </a:effectRef>
-          <a:fontRef idx="minor">
-            <a:schemeClr val="lt1"/>
-          </a:fontRef>
-        </p:style>
-        <p:txBody>
-          <a:bodyPr rtlCol="0" anchor="ctr"/>
-          <a:lstStyle/>
-          <a:p>
-            <a:pPr algn="ctr"/>
-            <a:endParaRPr lang="en-SG"/>
-          </a:p>
-        </p:txBody>
-      </p:sp>
-      <p:sp>
-        <p:nvSpPr>
           <p:cNvPr id="250" name="Line 46"/>
           <p:cNvSpPr>
             <a:spLocks noChangeShapeType="1"/>
@@ -5288,6 +5259,13 @@
             <a:headEnd/>
             <a:tailEnd type="triangle" w="med" len="med"/>
           </a:ln>
+          <a:effectLst>
+            <a:outerShdw blurRad="63500" sx="102000" sy="102000" algn="ctr" rotWithShape="0">
+              <a:prstClr val="black">
+                <a:alpha val="40000"/>
+              </a:prstClr>
+            </a:outerShdw>
+          </a:effectLst>
         </p:spPr>
         <p:txBody>
           <a:bodyPr wrap="square" anchor="b">
@@ -5325,6 +5303,13 @@
             <a:headEnd type="triangle" w="med" len="med"/>
             <a:tailEnd type="none" w="med" len="med"/>
           </a:ln>
+          <a:effectLst>
+            <a:outerShdw blurRad="63500" sx="102000" sy="102000" algn="ctr" rotWithShape="0">
+              <a:prstClr val="black">
+                <a:alpha val="40000"/>
+              </a:prstClr>
+            </a:outerShdw>
+          </a:effectLst>
         </p:spPr>
         <p:txBody>
           <a:bodyPr wrap="square" anchor="b">
@@ -5396,32 +5381,31 @@
           </a:prstGeom>
           <a:solidFill>
             <a:schemeClr val="bg1">
-              <a:alpha val="47000"/>
+              <a:lumMod val="95000"/>
+              <a:alpha val="46000"/>
             </a:schemeClr>
           </a:solidFill>
           <a:ln w="12700" algn="ctr">
             <a:solidFill>
-              <a:srgbClr val="7030A0"/>
+              <a:schemeClr val="bg1">
+                <a:lumMod val="75000"/>
+              </a:schemeClr>
             </a:solidFill>
-            <a:prstDash val="sysDash"/>
             <a:miter lim="800000"/>
             <a:headEnd/>
             <a:tailEnd/>
           </a:ln>
         </p:spPr>
         <p:txBody>
-          <a:bodyPr anchor="b">
+          <a:bodyPr wrap="square" anchor="ctr">
             <a:spAutoFit/>
           </a:bodyPr>
           <a:lstStyle/>
           <a:p>
             <a:pPr algn="ctr"/>
             <a:r>
-              <a:rPr lang="en-US" sz="2000" b="0">
-                <a:solidFill>
-                  <a:schemeClr val="tx1"/>
-                </a:solidFill>
-                <a:latin typeface="Cambria" pitchFamily="18" charset="0"/>
+              <a:rPr lang="en-US" sz="2000">
+                <a:latin typeface="Calibri" pitchFamily="34" charset="0"/>
               </a:rPr>
               <a:t>View is “pulling” data from the model</a:t>
             </a:r>
@@ -5486,6 +5470,82 @@
               </a:rPr>
               <a:t>)</a:t>
             </a:r>
+          </a:p>
+        </p:txBody>
+      </p:sp>
+      <p:sp>
+        <p:nvSpPr>
+          <p:cNvPr id="43" name="Line 46"/>
+          <p:cNvSpPr>
+            <a:spLocks noChangeShapeType="1"/>
+          </p:cNvSpPr>
+          <p:nvPr/>
+        </p:nvSpPr>
+        <p:spPr bwMode="auto">
+          <a:xfrm>
+            <a:off x="1539597" y="6381328"/>
+            <a:ext cx="3506509" cy="0"/>
+          </a:xfrm>
+          <a:prstGeom prst="line">
+            <a:avLst/>
+          </a:prstGeom>
+          <a:noFill/>
+          <a:ln w="19050">
+            <a:solidFill>
+              <a:schemeClr val="accent4"/>
+            </a:solidFill>
+            <a:prstDash val="dash"/>
+            <a:round/>
+            <a:headEnd type="triangle" w="med" len="med"/>
+            <a:tailEnd type="none" w="med" len="med"/>
+          </a:ln>
+        </p:spPr>
+        <p:txBody>
+          <a:bodyPr wrap="square" anchor="b">
+            <a:spAutoFit/>
+          </a:bodyPr>
+          <a:lstStyle/>
+          <a:p>
+            <a:endParaRPr lang="en-US" sz="2000"/>
+          </a:p>
+        </p:txBody>
+      </p:sp>
+      <p:sp>
+        <p:nvSpPr>
+          <p:cNvPr id="45" name="Line 46"/>
+          <p:cNvSpPr>
+            <a:spLocks noChangeShapeType="1"/>
+          </p:cNvSpPr>
+          <p:nvPr/>
+        </p:nvSpPr>
+        <p:spPr bwMode="auto">
+          <a:xfrm>
+            <a:off x="251520" y="6493335"/>
+            <a:ext cx="1309151" cy="0"/>
+          </a:xfrm>
+          <a:prstGeom prst="line">
+            <a:avLst/>
+          </a:prstGeom>
+          <a:noFill/>
+          <a:ln w="19050">
+            <a:solidFill>
+              <a:schemeClr val="accent6">
+                <a:lumMod val="75000"/>
+              </a:schemeClr>
+            </a:solidFill>
+            <a:prstDash val="dash"/>
+            <a:round/>
+            <a:headEnd type="triangle" w="med" len="med"/>
+            <a:tailEnd type="none" w="med" len="med"/>
+          </a:ln>
+        </p:spPr>
+        <p:txBody>
+          <a:bodyPr wrap="square" anchor="b">
+            <a:spAutoFit/>
+          </a:bodyPr>
+          <a:lstStyle/>
+          <a:p>
+            <a:endParaRPr lang="en-US" sz="2000"/>
           </a:p>
         </p:txBody>
       </p:sp>
@@ -6167,6 +6227,60 @@
                                   </p:childTnLst>
                                 </p:cTn>
                               </p:par>
+                              <p:par>
+                                <p:cTn id="55" presetID="1" presetClass="entr" presetSubtype="0" fill="hold" grpId="0" nodeType="withEffect">
+                                  <p:stCondLst>
+                                    <p:cond delay="0"/>
+                                  </p:stCondLst>
+                                  <p:childTnLst>
+                                    <p:set>
+                                      <p:cBhvr>
+                                        <p:cTn id="56" dur="1" fill="hold">
+                                          <p:stCondLst>
+                                            <p:cond delay="0"/>
+                                          </p:stCondLst>
+                                        </p:cTn>
+                                        <p:tgtEl>
+                                          <p:spTgt spid="43"/>
+                                        </p:tgtEl>
+                                        <p:attrNameLst>
+                                          <p:attrName>style.visibility</p:attrName>
+                                        </p:attrNameLst>
+                                      </p:cBhvr>
+                                      <p:to>
+                                        <p:strVal val="visible"/>
+                                      </p:to>
+                                    </p:set>
+                                  </p:childTnLst>
+                                </p:cTn>
+                              </p:par>
+                              <p:par>
+                                <p:cTn id="57" presetID="1" presetClass="entr" presetSubtype="0" fill="hold" grpId="0" nodeType="withEffect">
+                                  <p:stCondLst>
+                                    <p:cond delay="0"/>
+                                  </p:stCondLst>
+                                  <p:childTnLst>
+                                    <p:set>
+                                      <p:cBhvr>
+                                        <p:cTn id="58" dur="1" fill="hold">
+                                          <p:stCondLst>
+                                            <p:cond delay="0"/>
+                                          </p:stCondLst>
+                                        </p:cTn>
+                                        <p:tgtEl>
+                                          <p:spTgt spid="45"/>
+                                        </p:tgtEl>
+                                        <p:attrNameLst>
+                                          <p:attrName>style.visibility</p:attrName>
+                                        </p:attrNameLst>
+                                      </p:cBhvr>
+                                      <p:to>
+                                        <p:strVal val="visible"/>
+                                      </p:to>
+                                    </p:set>
+                                  </p:childTnLst>
+                                </p:cTn>
+                              </p:par>
                             </p:childTnLst>
                           </p:cTn>
                         </p:par>
@@ -6216,6 +6330,8 @@
       <p:bldP spid="251" grpId="0" animBg="1"/>
       <p:bldP spid="253" grpId="0" animBg="1"/>
       <p:bldP spid="254" grpId="0"/>
+      <p:bldP spid="43" grpId="0" animBg="1"/>
+      <p:bldP spid="45" grpId="0" animBg="1"/>
     </p:bldLst>
   </p:timing>
 </p:sld>
